--- a/poster/poster.pptx
+++ b/poster/poster.pptx
@@ -254,7 +254,7 @@
           <a:p>
             <a:fld id="{933E1B0C-6C8E-424C-8AF4-01A53092F658}" type="datetimeFigureOut">
               <a:rPr lang="en-US" smtClean="0"/>
-              <a:t>1/3/2018</a:t>
+              <a:t>1/5/2018</a:t>
             </a:fld>
             <a:endParaRPr lang="en-US"/>
           </a:p>
@@ -424,7 +424,7 @@
           <a:p>
             <a:fld id="{933E1B0C-6C8E-424C-8AF4-01A53092F658}" type="datetimeFigureOut">
               <a:rPr lang="en-US" smtClean="0"/>
-              <a:t>1/3/2018</a:t>
+              <a:t>1/5/2018</a:t>
             </a:fld>
             <a:endParaRPr lang="en-US"/>
           </a:p>
@@ -604,7 +604,7 @@
           <a:p>
             <a:fld id="{933E1B0C-6C8E-424C-8AF4-01A53092F658}" type="datetimeFigureOut">
               <a:rPr lang="en-US" smtClean="0"/>
-              <a:t>1/3/2018</a:t>
+              <a:t>1/5/2018</a:t>
             </a:fld>
             <a:endParaRPr lang="en-US"/>
           </a:p>
@@ -774,7 +774,7 @@
           <a:p>
             <a:fld id="{933E1B0C-6C8E-424C-8AF4-01A53092F658}" type="datetimeFigureOut">
               <a:rPr lang="en-US" smtClean="0"/>
-              <a:t>1/3/2018</a:t>
+              <a:t>1/5/2018</a:t>
             </a:fld>
             <a:endParaRPr lang="en-US"/>
           </a:p>
@@ -1018,7 +1018,7 @@
           <a:p>
             <a:fld id="{933E1B0C-6C8E-424C-8AF4-01A53092F658}" type="datetimeFigureOut">
               <a:rPr lang="en-US" smtClean="0"/>
-              <a:t>1/3/2018</a:t>
+              <a:t>1/5/2018</a:t>
             </a:fld>
             <a:endParaRPr lang="en-US"/>
           </a:p>
@@ -1250,7 +1250,7 @@
           <a:p>
             <a:fld id="{933E1B0C-6C8E-424C-8AF4-01A53092F658}" type="datetimeFigureOut">
               <a:rPr lang="en-US" smtClean="0"/>
-              <a:t>1/3/2018</a:t>
+              <a:t>1/5/2018</a:t>
             </a:fld>
             <a:endParaRPr lang="en-US"/>
           </a:p>
@@ -1617,7 +1617,7 @@
           <a:p>
             <a:fld id="{933E1B0C-6C8E-424C-8AF4-01A53092F658}" type="datetimeFigureOut">
               <a:rPr lang="en-US" smtClean="0"/>
-              <a:t>1/3/2018</a:t>
+              <a:t>1/5/2018</a:t>
             </a:fld>
             <a:endParaRPr lang="en-US"/>
           </a:p>
@@ -1735,7 +1735,7 @@
           <a:p>
             <a:fld id="{933E1B0C-6C8E-424C-8AF4-01A53092F658}" type="datetimeFigureOut">
               <a:rPr lang="en-US" smtClean="0"/>
-              <a:t>1/3/2018</a:t>
+              <a:t>1/5/2018</a:t>
             </a:fld>
             <a:endParaRPr lang="en-US"/>
           </a:p>
@@ -1830,7 +1830,7 @@
           <a:p>
             <a:fld id="{933E1B0C-6C8E-424C-8AF4-01A53092F658}" type="datetimeFigureOut">
               <a:rPr lang="en-US" smtClean="0"/>
-              <a:t>1/3/2018</a:t>
+              <a:t>1/5/2018</a:t>
             </a:fld>
             <a:endParaRPr lang="en-US"/>
           </a:p>
@@ -2107,7 +2107,7 @@
           <a:p>
             <a:fld id="{933E1B0C-6C8E-424C-8AF4-01A53092F658}" type="datetimeFigureOut">
               <a:rPr lang="en-US" smtClean="0"/>
-              <a:t>1/3/2018</a:t>
+              <a:t>1/5/2018</a:t>
             </a:fld>
             <a:endParaRPr lang="en-US"/>
           </a:p>
@@ -2364,7 +2364,7 @@
           <a:p>
             <a:fld id="{933E1B0C-6C8E-424C-8AF4-01A53092F658}" type="datetimeFigureOut">
               <a:rPr lang="en-US" smtClean="0"/>
-              <a:t>1/3/2018</a:t>
+              <a:t>1/5/2018</a:t>
             </a:fld>
             <a:endParaRPr lang="en-US"/>
           </a:p>
@@ -2577,7 +2577,7 @@
           <a:p>
             <a:fld id="{933E1B0C-6C8E-424C-8AF4-01A53092F658}" type="datetimeFigureOut">
               <a:rPr lang="en-US" smtClean="0"/>
-              <a:t>1/3/2018</a:t>
+              <a:t>1/5/2018</a:t>
             </a:fld>
             <a:endParaRPr lang="en-US"/>
           </a:p>
@@ -3727,8 +3727,8 @@
         </p:blipFill>
         <p:spPr bwMode="auto">
           <a:xfrm>
-            <a:off x="10718774" y="10917413"/>
-            <a:ext cx="4418039" cy="4444094"/>
+            <a:off x="15208723" y="10706087"/>
+            <a:ext cx="4747100" cy="5289930"/>
           </a:xfrm>
           <a:prstGeom prst="rect">
             <a:avLst/>
@@ -4018,8 +4018,8 @@
         </p:nvSpPr>
         <p:spPr>
           <a:xfrm>
-            <a:off x="15214590" y="10917413"/>
-            <a:ext cx="4699009" cy="4154984"/>
+            <a:off x="10515579" y="10808406"/>
+            <a:ext cx="4699009" cy="6001643"/>
           </a:xfrm>
           <a:prstGeom prst="rect">
             <a:avLst/>
@@ -4044,11 +4044,23 @@
           <a:p>
             <a:r>
               <a:rPr lang="en-US" sz="2400" dirty="0" smtClean="0"/>
-              <a:t>This is similar to the analysis of the previous, but we are focusing on the opening price change now. </a:t>
+              <a:t>This is similar to the analysis of the previous, but we are focusing on the opening price change now. Indeed, the number of positive days reduce overall. A clear example is the year 2016, first semester. </a:t>
             </a:r>
             <a:r>
               <a:rPr lang="en-US" sz="2400" dirty="0" smtClean="0"/>
-              <a:t>Indeed, the number of positive days reduce overall. A clear example is the year 2016, first semester. Considering the closing price, there were more positive days than negative. Instead, when considering the opening price, there were more negative days than positive. </a:t>
+              <a:t>Considering the opening price, there were more negative days than </a:t>
+            </a:r>
+            <a:r>
+              <a:rPr lang="en-US" sz="2400" dirty="0"/>
+              <a:t>positive. This means that most of the times for those months a stock price opening with a negative change, turned the negative change into positive over the day. This is a first step toward the analysis of the relation between the opening price change and the closing price change</a:t>
+            </a:r>
+            <a:r>
+              <a:rPr lang="en-US" sz="2400" dirty="0" smtClean="0"/>
+              <a:t>.</a:t>
+            </a:r>
+            <a:r>
+              <a:rPr lang="en-US" sz="2400" dirty="0" smtClean="0"/>
+              <a:t> </a:t>
             </a:r>
             <a:endParaRPr lang="en-US" sz="2400" dirty="0"/>
           </a:p>
@@ -4317,7 +4329,7 @@
         <p:spPr>
           <a:xfrm>
             <a:off x="20631194" y="11904629"/>
-            <a:ext cx="8990708" cy="4031873"/>
+            <a:ext cx="8990708" cy="6863417"/>
           </a:xfrm>
           <a:prstGeom prst="rect">
             <a:avLst/>
@@ -4341,14 +4353,47 @@
           </a:lstStyle>
           <a:p>
             <a:r>
-              <a:rPr lang="en-US" sz="3200" dirty="0" smtClean="0"/>
-              <a:t>The advices to the investors</a:t>
-            </a:r>
-          </a:p>
-          <a:p>
-            <a:r>
-              <a:rPr lang="en-US" sz="3200" dirty="0" smtClean="0"/>
-              <a:t>The results we obtained with the classifier </a:t>
+              <a:rPr lang="en-US" sz="3200" b="1" dirty="0" smtClean="0"/>
+              <a:t>ADVICES FOR INVESTORS</a:t>
+            </a:r>
+          </a:p>
+          <a:p>
+            <a:endParaRPr lang="en-US" sz="2400" b="1" dirty="0" smtClean="0"/>
+          </a:p>
+          <a:p>
+            <a:endParaRPr lang="en-US" sz="3200" dirty="0">
+              <a:solidFill>
+                <a:srgbClr val="FF0000"/>
+              </a:solidFill>
+            </a:endParaRPr>
+          </a:p>
+          <a:p>
+            <a:endParaRPr lang="en-US" sz="3200" dirty="0" smtClean="0">
+              <a:solidFill>
+                <a:srgbClr val="FF0000"/>
+              </a:solidFill>
+            </a:endParaRPr>
+          </a:p>
+          <a:p>
+            <a:endParaRPr lang="en-US" sz="3200" dirty="0" smtClean="0">
+              <a:solidFill>
+                <a:srgbClr val="FF0000"/>
+              </a:solidFill>
+            </a:endParaRPr>
+          </a:p>
+          <a:p>
+            <a:r>
+              <a:rPr lang="en-US" sz="3200" b="1" dirty="0" smtClean="0"/>
+              <a:t>THE RESULTS WE OBTAINED WITH THE CLASSIFIER </a:t>
+            </a:r>
+          </a:p>
+          <a:p>
+            <a:endParaRPr lang="en-US" sz="3200" b="1" dirty="0" smtClean="0"/>
+          </a:p>
+          <a:p>
+            <a:r>
+              <a:rPr lang="en-US" sz="3200" b="1" dirty="0" smtClean="0"/>
+              <a:t>THE FACT THAT WE ARE PROVIDING A SCRIPT\TOOL, THIS LATTER IS AVAILABLE IN TOOL.RMD</a:t>
             </a:r>
           </a:p>
           <a:p>
@@ -4356,22 +4401,8 @@
           </a:p>
           <a:p>
             <a:r>
-              <a:rPr lang="en-US" sz="3200" dirty="0" smtClean="0"/>
-              <a:t>The fact that we are providing a script\tool, this latter is available in </a:t>
-            </a:r>
-            <a:r>
-              <a:rPr lang="en-US" sz="3200" dirty="0" err="1" smtClean="0"/>
-              <a:t>tool.Rmd</a:t>
-            </a:r>
-            <a:endParaRPr lang="en-US" sz="3200" dirty="0" smtClean="0"/>
-          </a:p>
-          <a:p>
-            <a:endParaRPr lang="en-US" sz="3200" dirty="0" smtClean="0"/>
-          </a:p>
-          <a:p>
-            <a:r>
-              <a:rPr lang="en-US" sz="3200" dirty="0" smtClean="0"/>
-              <a:t>data mining methods</a:t>
+              <a:rPr lang="en-US" sz="3200" b="1" dirty="0" smtClean="0"/>
+              <a:t>DATA MINING METHODS</a:t>
             </a:r>
           </a:p>
           <a:p>
@@ -4786,7 +4817,7 @@
         </p:nvSpPr>
         <p:spPr>
           <a:xfrm>
-            <a:off x="10678523" y="10239802"/>
+            <a:off x="10561352" y="10189353"/>
             <a:ext cx="4987689" cy="338554"/>
           </a:xfrm>
           <a:prstGeom prst="rect">
@@ -4826,7 +4857,7 @@
         </p:nvSpPr>
         <p:spPr>
           <a:xfrm>
-            <a:off x="10593685" y="15369563"/>
+            <a:off x="15208723" y="15933160"/>
             <a:ext cx="4987689" cy="338554"/>
           </a:xfrm>
           <a:prstGeom prst="rect">
@@ -4866,8 +4897,8 @@
         </p:nvSpPr>
         <p:spPr>
           <a:xfrm>
-            <a:off x="10561352" y="15765185"/>
-            <a:ext cx="9490723" cy="2677656"/>
+            <a:off x="10561352" y="16937736"/>
+            <a:ext cx="9490723" cy="2923877"/>
           </a:xfrm>
           <a:prstGeom prst="rect">
             <a:avLst/>
@@ -4891,14 +4922,70 @@
           </a:lstStyle>
           <a:p>
             <a:r>
+              <a:rPr lang="en-US" sz="3200" b="1" dirty="0" smtClean="0"/>
+              <a:t>RELATION BETWEEN OPENING AND CLOSING PRICE CHANGE (%)</a:t>
+            </a:r>
+          </a:p>
+          <a:p>
+            <a:pPr marL="342900" indent="-342900">
+              <a:buFont typeface="Arial" panose="020B0604020202020204" pitchFamily="34" charset="0"/>
+              <a:buChar char="•"/>
+            </a:pPr>
+            <a:r>
+              <a:rPr lang="en-US" sz="2400" dirty="0"/>
+              <a:t>We first select the </a:t>
+            </a:r>
+            <a:r>
               <a:rPr lang="en-US" sz="2400" dirty="0" smtClean="0"/>
-              <a:t>This means that most of the times for those months a stock price opening with a negative change, turned the negative change into positive over the day. This is a first step toward the analysis of the relation between the opening price change and the closing price change. From this results, we can see that if there is a correlation it may be negative.</a:t>
-            </a:r>
-          </a:p>
-          <a:p>
+              <a:t>features opening </a:t>
+            </a:r>
+            <a:r>
+              <a:rPr lang="en-US" sz="2400" dirty="0"/>
+              <a:t>change and closing change in terms of percentage, and we </a:t>
+            </a:r>
+            <a:r>
+              <a:rPr lang="en-US" sz="2400" dirty="0" smtClean="0"/>
+              <a:t>evaluate the correlation:</a:t>
+            </a:r>
             <a:endParaRPr lang="en-US" sz="2400" dirty="0"/>
           </a:p>
           <a:p>
+            <a:pPr marL="342900" indent="-342900">
+              <a:buFont typeface="Arial" panose="020B0604020202020204" pitchFamily="34" charset="0"/>
+              <a:buChar char="•"/>
+            </a:pPr>
+            <a:r>
+              <a:rPr lang="en-US" sz="2400" dirty="0" smtClean="0"/>
+              <a:t>The </a:t>
+            </a:r>
+            <a:r>
+              <a:rPr lang="en-US" sz="2400" dirty="0"/>
+              <a:t>correlation between the two features is 0.66.</a:t>
+            </a:r>
+          </a:p>
+          <a:p>
+            <a:pPr marL="342900" indent="-342900">
+              <a:buFont typeface="Arial" panose="020B0604020202020204" pitchFamily="34" charset="0"/>
+              <a:buChar char="•"/>
+            </a:pPr>
+            <a:r>
+              <a:rPr lang="en-US" sz="2400" dirty="0" smtClean="0"/>
+              <a:t>The </a:t>
+            </a:r>
+            <a:r>
+              <a:rPr lang="en-US" sz="2400" dirty="0"/>
+              <a:t>average distance between the two value is 1.06</a:t>
+            </a:r>
+            <a:r>
+              <a:rPr lang="en-US" sz="2400" dirty="0" smtClean="0"/>
+              <a:t>.</a:t>
+            </a:r>
+          </a:p>
+          <a:p>
+            <a:pPr marL="342900" indent="-342900">
+              <a:buFont typeface="Arial" panose="020B0604020202020204" pitchFamily="34" charset="0"/>
+              <a:buChar char="•"/>
+            </a:pPr>
             <a:endParaRPr lang="en-US" sz="2400" dirty="0"/>
           </a:p>
         </p:txBody>

--- a/poster/poster.pptx
+++ b/poster/poster.pptx
@@ -2990,10 +2990,10 @@
         </p:nvGrpSpPr>
         <p:grpSpPr>
           <a:xfrm>
-            <a:off x="402212" y="8758192"/>
-            <a:ext cx="9660921" cy="11322394"/>
-            <a:chOff x="402212" y="3538540"/>
-            <a:chExt cx="9492902" cy="9618728"/>
+            <a:off x="350492" y="8313846"/>
+            <a:ext cx="9660922" cy="11810993"/>
+            <a:chOff x="402211" y="3538540"/>
+            <a:chExt cx="9492903" cy="9618728"/>
           </a:xfrm>
         </p:grpSpPr>
         <p:sp>
@@ -3042,8 +3042,8 @@
           </p:nvSpPr>
           <p:spPr>
             <a:xfrm>
-              <a:off x="402212" y="3540585"/>
-              <a:ext cx="9321760" cy="716689"/>
+              <a:off x="402211" y="3540585"/>
+              <a:ext cx="9492900" cy="716689"/>
             </a:xfrm>
             <a:prstGeom prst="rect">
               <a:avLst/>
@@ -3099,7 +3099,7 @@
         </p:nvGrpSpPr>
         <p:grpSpPr>
           <a:xfrm>
-            <a:off x="402212" y="3149792"/>
+            <a:off x="402211" y="2603223"/>
             <a:ext cx="9660920" cy="5419363"/>
             <a:chOff x="402212" y="3533287"/>
             <a:chExt cx="9492902" cy="4816447"/>
@@ -3242,8 +3242,8 @@
         </p:nvSpPr>
         <p:spPr>
           <a:xfrm>
-            <a:off x="0" y="-489857"/>
-            <a:ext cx="30275213" cy="3283157"/>
+            <a:off x="0" y="-489856"/>
+            <a:ext cx="30275213" cy="2830128"/>
           </a:xfrm>
           <a:prstGeom prst="rect">
             <a:avLst/>
@@ -3280,8 +3280,8 @@
         </p:nvSpPr>
         <p:spPr>
           <a:xfrm>
-            <a:off x="1071508" y="-144136"/>
-            <a:ext cx="27903948" cy="2708434"/>
+            <a:off x="1071508" y="-235576"/>
+            <a:ext cx="27903948" cy="2554545"/>
           </a:xfrm>
           <a:prstGeom prst="rect">
             <a:avLst/>
@@ -3309,7 +3309,7 @@
           <a:p>
             <a:pPr algn="ctr"/>
             <a:r>
-              <a:rPr lang="en-US" sz="5400" i="1" dirty="0" smtClean="0">
+              <a:rPr lang="en-US" sz="4800" i="1" dirty="0" smtClean="0">
                 <a:solidFill>
                   <a:schemeClr val="bg1"/>
                 </a:solidFill>
@@ -3319,7 +3319,7 @@
               <a:t>Make Students Rich </a:t>
             </a:r>
             <a:r>
-              <a:rPr lang="en-US" sz="5400" i="1" strike="sngStrike" dirty="0" smtClean="0">
+              <a:rPr lang="en-US" sz="4800" i="1" strike="sngStrike" dirty="0" smtClean="0">
                 <a:solidFill>
                   <a:schemeClr val="bg1"/>
                 </a:solidFill>
@@ -3332,7 +3332,7 @@
           <a:p>
             <a:pPr algn="ctr"/>
             <a:r>
-              <a:rPr lang="en-US" sz="2800" dirty="0">
+              <a:rPr lang="en-US" sz="2400" dirty="0">
                 <a:solidFill>
                   <a:schemeClr val="bg1"/>
                 </a:solidFill>
@@ -3340,7 +3340,7 @@
               <a:t>Adriano </a:t>
             </a:r>
             <a:r>
-              <a:rPr lang="en-US" sz="2800" dirty="0" smtClean="0">
+              <a:rPr lang="en-US" sz="2400" dirty="0" smtClean="0">
                 <a:solidFill>
                   <a:schemeClr val="bg1"/>
                 </a:solidFill>
@@ -3348,7 +3348,7 @@
               <a:t>Augusto and Grace </a:t>
             </a:r>
             <a:r>
-              <a:rPr lang="en-US" sz="2800" dirty="0" err="1">
+              <a:rPr lang="en-US" sz="2400" dirty="0" err="1">
                 <a:solidFill>
                   <a:schemeClr val="bg1"/>
                 </a:solidFill>
@@ -3356,7 +3356,7 @@
               <a:t>Achenyo</a:t>
             </a:r>
             <a:r>
-              <a:rPr lang="en-US" sz="2800" dirty="0">
+              <a:rPr lang="en-US" sz="2400" dirty="0">
                 <a:solidFill>
                   <a:schemeClr val="bg1"/>
                 </a:solidFill>
@@ -3364,14 +3364,14 @@
               <a:t> </a:t>
             </a:r>
             <a:r>
-              <a:rPr lang="en-US" sz="2800" dirty="0" smtClean="0">
+              <a:rPr lang="en-US" sz="2400" dirty="0" smtClean="0">
                 <a:solidFill>
                   <a:schemeClr val="bg1"/>
                 </a:solidFill>
               </a:rPr>
               <a:t>Okolo</a:t>
             </a:r>
-            <a:endParaRPr lang="en-US" sz="4400" i="1" strike="sngStrike" dirty="0">
+            <a:endParaRPr lang="en-US" sz="4000" i="1" strike="sngStrike" dirty="0">
               <a:solidFill>
                 <a:schemeClr val="bg1"/>
               </a:solidFill>
@@ -3389,7 +3389,7 @@
         </p:nvSpPr>
         <p:spPr>
           <a:xfrm>
-            <a:off x="476955" y="4322961"/>
+            <a:off x="507669" y="3682854"/>
             <a:ext cx="9418158" cy="4154984"/>
           </a:xfrm>
           <a:prstGeom prst="rect">
@@ -3568,10 +3568,10 @@
         </p:nvGrpSpPr>
         <p:grpSpPr>
           <a:xfrm>
-            <a:off x="10391155" y="3139020"/>
-            <a:ext cx="9660920" cy="16941565"/>
-            <a:chOff x="402212" y="3180710"/>
-            <a:chExt cx="9492902" cy="14956229"/>
+            <a:off x="10391155" y="2603223"/>
+            <a:ext cx="9660920" cy="17521616"/>
+            <a:chOff x="402212" y="3538541"/>
+            <a:chExt cx="9492902" cy="15468306"/>
           </a:xfrm>
         </p:grpSpPr>
         <p:sp>
@@ -3583,7 +3583,7 @@
           <p:spPr>
             <a:xfrm>
               <a:off x="402213" y="3538541"/>
-              <a:ext cx="9492901" cy="14598398"/>
+              <a:ext cx="9492901" cy="15468306"/>
             </a:xfrm>
             <a:prstGeom prst="rect">
               <a:avLst/>
@@ -3620,7 +3620,7 @@
           </p:nvSpPr>
           <p:spPr>
             <a:xfrm>
-              <a:off x="402212" y="3180710"/>
+              <a:off x="402212" y="3553692"/>
               <a:ext cx="9492902" cy="1408019"/>
             </a:xfrm>
             <a:prstGeom prst="rect">
@@ -3691,8 +3691,8 @@
         </p:blipFill>
         <p:spPr bwMode="auto">
           <a:xfrm>
-            <a:off x="10561352" y="6149910"/>
-            <a:ext cx="4575461" cy="4001512"/>
+            <a:off x="10561352" y="5595671"/>
+            <a:ext cx="4862970" cy="4958193"/>
           </a:xfrm>
           <a:prstGeom prst="rect">
             <a:avLst/>
@@ -3727,7 +3727,7 @@
         </p:blipFill>
         <p:spPr bwMode="auto">
           <a:xfrm>
-            <a:off x="15208723" y="10706087"/>
+            <a:off x="15208723" y="10934687"/>
             <a:ext cx="4747100" cy="5289930"/>
           </a:xfrm>
           <a:prstGeom prst="rect">
@@ -3749,10 +3749,10 @@
         </p:nvGrpSpPr>
         <p:grpSpPr>
           <a:xfrm>
-            <a:off x="20380097" y="3149796"/>
-            <a:ext cx="9492902" cy="16930789"/>
+            <a:off x="20380097" y="2603223"/>
+            <a:ext cx="9492902" cy="17521616"/>
             <a:chOff x="402211" y="3531359"/>
-            <a:chExt cx="9492903" cy="12184716"/>
+            <a:chExt cx="9492903" cy="12609921"/>
           </a:xfrm>
         </p:grpSpPr>
         <p:sp>
@@ -3764,7 +3764,7 @@
           <p:spPr>
             <a:xfrm>
               <a:off x="402213" y="3538540"/>
-              <a:ext cx="9492901" cy="12177535"/>
+              <a:ext cx="9492901" cy="12602740"/>
             </a:xfrm>
             <a:prstGeom prst="rect">
               <a:avLst/>
@@ -3872,8 +3872,8 @@
         </p:blipFill>
         <p:spPr bwMode="auto">
           <a:xfrm>
-            <a:off x="20554269" y="6051344"/>
-            <a:ext cx="5334000" cy="5334000"/>
+            <a:off x="20554269" y="5457056"/>
+            <a:ext cx="5508170" cy="5788588"/>
           </a:xfrm>
           <a:prstGeom prst="rect">
             <a:avLst/>
@@ -3944,8 +3944,8 @@
         </p:nvSpPr>
         <p:spPr>
           <a:xfrm>
-            <a:off x="15214590" y="5758275"/>
-            <a:ext cx="4837485" cy="4893647"/>
+            <a:off x="15571301" y="5595671"/>
+            <a:ext cx="4480774" cy="5056251"/>
           </a:xfrm>
           <a:prstGeom prst="rect">
             <a:avLst/>
@@ -4018,7 +4018,7 @@
         </p:nvSpPr>
         <p:spPr>
           <a:xfrm>
-            <a:off x="10515579" y="10808406"/>
+            <a:off x="10515579" y="11037006"/>
             <a:ext cx="4699009" cy="6001643"/>
           </a:xfrm>
           <a:prstGeom prst="rect">
@@ -4264,7 +4264,7 @@
         </p:nvSpPr>
         <p:spPr>
           <a:xfrm>
-            <a:off x="26062439" y="6051344"/>
+            <a:off x="26062439" y="5457056"/>
             <a:ext cx="3663581" cy="5262979"/>
           </a:xfrm>
           <a:prstGeom prst="rect">
@@ -4328,8 +4328,8 @@
         </p:nvSpPr>
         <p:spPr>
           <a:xfrm>
-            <a:off x="20631194" y="11904629"/>
-            <a:ext cx="8990708" cy="6863417"/>
+            <a:off x="20505645" y="11613245"/>
+            <a:ext cx="9241805" cy="10002738"/>
           </a:xfrm>
           <a:prstGeom prst="rect">
             <a:avLst/>
@@ -4358,52 +4358,219 @@
             </a:r>
           </a:p>
           <a:p>
-            <a:endParaRPr lang="en-US" sz="2400" b="1" dirty="0" smtClean="0"/>
-          </a:p>
-          <a:p>
-            <a:endParaRPr lang="en-US" sz="3200" dirty="0">
-              <a:solidFill>
-                <a:srgbClr val="FF0000"/>
-              </a:solidFill>
-            </a:endParaRPr>
-          </a:p>
-          <a:p>
-            <a:endParaRPr lang="en-US" sz="3200" dirty="0" smtClean="0">
-              <a:solidFill>
-                <a:srgbClr val="FF0000"/>
-              </a:solidFill>
-            </a:endParaRPr>
-          </a:p>
-          <a:p>
-            <a:endParaRPr lang="en-US" sz="3200" dirty="0" smtClean="0">
-              <a:solidFill>
-                <a:srgbClr val="FF0000"/>
-              </a:solidFill>
-            </a:endParaRPr>
+            <a:pPr marL="342900" indent="-342900">
+              <a:buFont typeface="Arial" panose="020B0604020202020204" pitchFamily="34" charset="0"/>
+              <a:buChar char="•"/>
+            </a:pPr>
+            <a:r>
+              <a:rPr lang="en-US" sz="2400" dirty="0"/>
+              <a:t>Should I invest? Yes, NASDAQ100 showed to have positive returns across the 5 years, with an average of 1.5% monthly</a:t>
+            </a:r>
+            <a:r>
+              <a:rPr lang="en-US" sz="2400" dirty="0" smtClean="0"/>
+              <a:t>. </a:t>
+            </a:r>
+            <a:endParaRPr lang="en-US" sz="2400" dirty="0"/>
+          </a:p>
+          <a:p>
+            <a:pPr marL="342900" indent="-342900">
+              <a:buFont typeface="Arial" panose="020B0604020202020204" pitchFamily="34" charset="0"/>
+              <a:buChar char="•"/>
+            </a:pPr>
+            <a:r>
+              <a:rPr lang="en-US" sz="2400" dirty="0"/>
+              <a:t>Short or long time investments? Buy and hold strategies are the most </a:t>
+            </a:r>
+            <a:r>
+              <a:rPr lang="en-US" sz="2400" dirty="0" smtClean="0"/>
+              <a:t>valuable.</a:t>
+            </a:r>
+            <a:endParaRPr lang="en-US" sz="2400" dirty="0"/>
+          </a:p>
+          <a:p>
+            <a:pPr marL="342900" indent="-342900">
+              <a:buFont typeface="Arial" panose="020B0604020202020204" pitchFamily="34" charset="0"/>
+              <a:buChar char="•"/>
+            </a:pPr>
+            <a:r>
+              <a:rPr lang="en-US" sz="2400" dirty="0"/>
+              <a:t>When to buy? the best moment to buy is within negative periods</a:t>
+            </a:r>
+            <a:r>
+              <a:rPr lang="en-US" sz="2400" dirty="0" smtClean="0"/>
+              <a:t>.</a:t>
+            </a:r>
+            <a:endParaRPr lang="en-US" sz="2400" dirty="0"/>
+          </a:p>
+          <a:p>
+            <a:pPr marL="342900" indent="-342900">
+              <a:buFont typeface="Arial" panose="020B0604020202020204" pitchFamily="34" charset="0"/>
+              <a:buChar char="•"/>
+            </a:pPr>
+            <a:r>
+              <a:rPr lang="en-US" sz="2400" dirty="0"/>
+              <a:t>When to sell? The later the better.</a:t>
+            </a:r>
+            <a:endParaRPr lang="en-US" sz="2400" dirty="0" smtClean="0"/>
+          </a:p>
+          <a:p>
+            <a:endParaRPr lang="en-US" sz="1200" b="1" dirty="0" smtClean="0"/>
           </a:p>
           <a:p>
             <a:r>
               <a:rPr lang="en-US" sz="3200" b="1" dirty="0" smtClean="0"/>
-              <a:t>THE RESULTS WE OBTAINED WITH THE CLASSIFIER </a:t>
-            </a:r>
+              <a:t>THE RESULTS OBTAINED FROM CLASSIFIER </a:t>
+            </a:r>
+          </a:p>
+          <a:p>
+            <a:pPr marL="342900" indent="-342900">
+              <a:buFont typeface="Arial" panose="020B0604020202020204" pitchFamily="34" charset="0"/>
+              <a:buChar char="•"/>
+            </a:pPr>
+            <a:r>
+              <a:rPr lang="en-US" sz="2400" dirty="0" smtClean="0"/>
+              <a:t>Classifier gives </a:t>
+            </a:r>
+            <a:r>
+              <a:rPr lang="en-US" sz="2400" dirty="0"/>
+              <a:t>advices of the type Buy, Hold or Sell </a:t>
+            </a:r>
+            <a:r>
+              <a:rPr lang="en-US" sz="2400" dirty="0" smtClean="0"/>
+              <a:t>at the </a:t>
+            </a:r>
+            <a:r>
+              <a:rPr lang="en-US" sz="2400" dirty="0"/>
+              <a:t>beginning of the day, based on weekly return, monthly return and the change at the opening</a:t>
+            </a:r>
+            <a:r>
+              <a:rPr lang="en-US" sz="2400" dirty="0" smtClean="0"/>
+              <a:t>.</a:t>
+            </a:r>
+          </a:p>
+          <a:p>
+            <a:pPr marL="342900" indent="-342900">
+              <a:buFont typeface="Arial" panose="020B0604020202020204" pitchFamily="34" charset="0"/>
+              <a:buChar char="•"/>
+            </a:pPr>
+            <a:r>
+              <a:rPr lang="en-US" sz="2400" dirty="0" smtClean="0"/>
+              <a:t>We </a:t>
+            </a:r>
+            <a:r>
+              <a:rPr lang="en-US" sz="2400" dirty="0"/>
+              <a:t>train a tree and a random forest using the default </a:t>
+            </a:r>
+            <a:r>
+              <a:rPr lang="en-US" sz="2400" dirty="0" smtClean="0"/>
+              <a:t>parameters. Then perform </a:t>
+            </a:r>
+            <a:r>
+              <a:rPr lang="en-US" sz="2400" dirty="0"/>
+              <a:t>the </a:t>
+            </a:r>
+            <a:r>
+              <a:rPr lang="en-US" sz="2400" dirty="0" smtClean="0"/>
+              <a:t>predictions on </a:t>
+            </a:r>
+            <a:r>
+              <a:rPr lang="en-US" sz="2400" dirty="0"/>
+              <a:t>the test set, and we show the accuracy of both classifiers</a:t>
+            </a:r>
+            <a:r>
+              <a:rPr lang="en-US" sz="2400" dirty="0" smtClean="0"/>
+              <a:t>.</a:t>
+            </a:r>
+          </a:p>
+          <a:p>
+            <a:pPr marL="342900" indent="-342900">
+              <a:buFont typeface="Arial" panose="020B0604020202020204" pitchFamily="34" charset="0"/>
+              <a:buChar char="•"/>
+            </a:pPr>
+            <a:r>
+              <a:rPr lang="en-US" sz="2400" dirty="0"/>
+              <a:t>The accuracy for the tree classifier is 0.64, which is not enough for our requirements. However, the </a:t>
+            </a:r>
+            <a:r>
+              <a:rPr lang="en-US" sz="2400" dirty="0" smtClean="0"/>
+              <a:t>accuracy for </a:t>
+            </a:r>
+            <a:r>
+              <a:rPr lang="en-US" sz="2400" dirty="0"/>
+              <a:t>the random forest is instead 0.97, which is very high and outperform the minimum requirement that </a:t>
+            </a:r>
+            <a:r>
+              <a:rPr lang="en-US" sz="2400" dirty="0" smtClean="0"/>
+              <a:t>we set </a:t>
+            </a:r>
+            <a:r>
+              <a:rPr lang="en-US" sz="2400" dirty="0"/>
+              <a:t>at the beginning of the project, which was 0.75</a:t>
+            </a:r>
+            <a:r>
+              <a:rPr lang="en-US" sz="2400" dirty="0" smtClean="0"/>
+              <a:t>.</a:t>
+            </a:r>
+          </a:p>
+          <a:p>
+            <a:endParaRPr lang="en-US" sz="1100" dirty="0"/>
+          </a:p>
+          <a:p>
+            <a:r>
+              <a:rPr lang="en-US" sz="2400" dirty="0" smtClean="0"/>
+              <a:t>We designed </a:t>
+            </a:r>
+            <a:r>
+              <a:rPr lang="en-US" sz="2400" dirty="0"/>
+              <a:t>for this </a:t>
+            </a:r>
+            <a:r>
+              <a:rPr lang="en-US" sz="2400" dirty="0" smtClean="0"/>
+              <a:t>project a </a:t>
+            </a:r>
+            <a:r>
+              <a:rPr lang="en-US" sz="2400" b="1" dirty="0" smtClean="0"/>
+              <a:t>Prediction </a:t>
+            </a:r>
+            <a:r>
+              <a:rPr lang="en-US" sz="2400" b="1" dirty="0"/>
+              <a:t>Tool</a:t>
+            </a:r>
+            <a:r>
+              <a:rPr lang="en-US" sz="2400" dirty="0"/>
+              <a:t>. Based on Opening, Weekly and Monthly Change of a stock in </a:t>
+            </a:r>
+            <a:r>
+              <a:rPr lang="en-US" sz="2400" dirty="0" smtClean="0"/>
+              <a:t>percentage </a:t>
+            </a:r>
+            <a:r>
+              <a:rPr lang="en-US" sz="2400" dirty="0"/>
+              <a:t>as parameters, </a:t>
+            </a:r>
+            <a:r>
+              <a:rPr lang="en-US" sz="2400" dirty="0" smtClean="0"/>
+              <a:t>it </a:t>
+            </a:r>
+            <a:r>
+              <a:rPr lang="en-US" sz="2400" dirty="0"/>
+              <a:t>gives advices of the type Buy, Hold or Sell </a:t>
+            </a:r>
+            <a:r>
+              <a:rPr lang="en-US" sz="2400" dirty="0" smtClean="0"/>
+              <a:t>.</a:t>
+            </a:r>
+            <a:endParaRPr lang="en-US" sz="2400" dirty="0"/>
+          </a:p>
+          <a:p>
+            <a:pPr marL="342900" indent="-342900">
+              <a:buFont typeface="Arial" panose="020B0604020202020204" pitchFamily="34" charset="0"/>
+              <a:buChar char="•"/>
+            </a:pPr>
+            <a:endParaRPr lang="en-US" sz="2400" dirty="0" smtClean="0"/>
           </a:p>
           <a:p>
             <a:endParaRPr lang="en-US" sz="3200" b="1" dirty="0" smtClean="0"/>
-          </a:p>
-          <a:p>
-            <a:r>
-              <a:rPr lang="en-US" sz="3200" b="1" dirty="0" smtClean="0"/>
-              <a:t>THE FACT THAT WE ARE PROVIDING A SCRIPT\TOOL, THIS LATTER IS AVAILABLE IN TOOL.RMD</a:t>
-            </a:r>
-          </a:p>
-          <a:p>
-            <a:endParaRPr lang="en-US" sz="3200" dirty="0" smtClean="0"/>
-          </a:p>
-          <a:p>
-            <a:r>
-              <a:rPr lang="en-US" sz="3200" b="1" dirty="0" smtClean="0"/>
-              <a:t>DATA MINING METHODS</a:t>
-            </a:r>
           </a:p>
           <a:p>
             <a:endParaRPr lang="en-US" sz="3200" dirty="0"/>
@@ -4418,7 +4585,7 @@
         </p:nvSpPr>
         <p:spPr>
           <a:xfrm>
-            <a:off x="20531748" y="4007829"/>
+            <a:off x="20554269" y="3518064"/>
             <a:ext cx="8932400" cy="1938992"/>
           </a:xfrm>
           <a:prstGeom prst="rect">
@@ -4777,7 +4944,7 @@
         </p:nvSpPr>
         <p:spPr>
           <a:xfrm>
-            <a:off x="10561352" y="4851859"/>
+            <a:off x="10515579" y="4395342"/>
             <a:ext cx="8932400" cy="1200329"/>
           </a:xfrm>
           <a:prstGeom prst="rect">
@@ -4817,7 +4984,7 @@
         </p:nvSpPr>
         <p:spPr>
           <a:xfrm>
-            <a:off x="10561352" y="10189353"/>
+            <a:off x="10561352" y="10600833"/>
             <a:ext cx="4987689" cy="338554"/>
           </a:xfrm>
           <a:prstGeom prst="rect">
@@ -4857,7 +5024,7 @@
         </p:nvSpPr>
         <p:spPr>
           <a:xfrm>
-            <a:off x="15208723" y="15933160"/>
+            <a:off x="15208723" y="16276060"/>
             <a:ext cx="4987689" cy="338554"/>
           </a:xfrm>
           <a:prstGeom prst="rect">
@@ -4883,7 +5050,15 @@
           <a:p>
             <a:r>
               <a:rPr lang="en-US" sz="1600" dirty="0" smtClean="0"/>
-              <a:t>Stock Price Opening In Positive For Each Month</a:t>
+              <a:t>Stock Price </a:t>
+            </a:r>
+            <a:r>
+              <a:rPr lang="en-US" sz="1600" dirty="0" smtClean="0"/>
+              <a:t>Opened </a:t>
+            </a:r>
+            <a:r>
+              <a:rPr lang="en-US" sz="1600" dirty="0" smtClean="0"/>
+              <a:t>In Positive For Each Month</a:t>
             </a:r>
             <a:endParaRPr lang="en-US" sz="1600" dirty="0"/>
           </a:p>
@@ -4897,7 +5072,7 @@
         </p:nvSpPr>
         <p:spPr>
           <a:xfrm>
-            <a:off x="10561352" y="16937736"/>
+            <a:off x="10561352" y="17097756"/>
             <a:ext cx="9490723" cy="2923877"/>
           </a:xfrm>
           <a:prstGeom prst="rect">
@@ -4987,6 +5162,50 @@
               <a:buChar char="•"/>
             </a:pPr>
             <a:endParaRPr lang="en-US" sz="2400" dirty="0"/>
+          </a:p>
+        </p:txBody>
+      </p:sp>
+      <p:sp>
+        <p:nvSpPr>
+          <p:cNvPr id="46" name="TextBox 45"/>
+          <p:cNvSpPr txBox="1"/>
+          <p:nvPr/>
+        </p:nvSpPr>
+        <p:spPr>
+          <a:xfrm>
+            <a:off x="20727424" y="11285325"/>
+            <a:ext cx="4987689" cy="338554"/>
+          </a:xfrm>
+          <a:prstGeom prst="rect">
+            <a:avLst/>
+          </a:prstGeom>
+          <a:noFill/>
+        </p:spPr>
+        <p:txBody>
+          <a:bodyPr wrap="square" rtlCol="0">
+            <a:spAutoFit/>
+          </a:bodyPr>
+          <a:lstStyle>
+            <a:defPPr>
+              <a:defRPr lang="en-US"/>
+            </a:defPPr>
+            <a:lvl1pPr>
+              <a:defRPr>
+                <a:latin typeface="Times New Roman" panose="02020603050405020304" pitchFamily="18" charset="0"/>
+                <a:cs typeface="Times New Roman" panose="02020603050405020304" pitchFamily="18" charset="0"/>
+              </a:defRPr>
+            </a:lvl1pPr>
+          </a:lstStyle>
+          <a:p>
+            <a:r>
+              <a:rPr lang="en-US" sz="1600" dirty="0" smtClean="0"/>
+              <a:t>Average </a:t>
+            </a:r>
+            <a:r>
+              <a:rPr lang="en-US" sz="1600" dirty="0"/>
+              <a:t>monthly return for the NASDAQ100</a:t>
+            </a:r>
+            <a:endParaRPr lang="en-US" sz="1600" dirty="0"/>
           </a:p>
         </p:txBody>
       </p:sp>

--- a/poster/poster.pptx
+++ b/poster/poster.pptx
@@ -3230,7 +3230,11 @@
           <a:lstStyle/>
           <a:p>
             <a:pPr algn="ctr"/>
-            <a:endParaRPr lang="en-US"/>
+            <a:r>
+              <a:rPr lang="en-US" dirty="0"/>
+              <a:t>https://github.com/nemo-91/moneytalks</a:t>
+            </a:r>
+            <a:endParaRPr lang="en-US" dirty="0"/>
           </a:p>
         </p:txBody>
       </p:sp>
@@ -4044,11 +4048,7 @@
           <a:p>
             <a:r>
               <a:rPr lang="en-US" sz="2400" dirty="0" smtClean="0"/>
-              <a:t>This is similar to the analysis of the previous, but we are focusing on the opening price change now. Indeed, the number of positive days reduce overall. A clear example is the year 2016, first semester. </a:t>
-            </a:r>
-            <a:r>
-              <a:rPr lang="en-US" sz="2400" dirty="0" smtClean="0"/>
-              <a:t>Considering the opening price, there were more negative days than </a:t>
+              <a:t>This is similar to the analysis of the previous, but we are focusing on the opening price change now. Indeed, the number of positive days reduce overall. A clear example is the year 2016, first semester. Considering the opening price, there were more negative days than </a:t>
             </a:r>
             <a:r>
               <a:rPr lang="en-US" sz="2400" dirty="0"/>
@@ -4056,11 +4056,7 @@
             </a:r>
             <a:r>
               <a:rPr lang="en-US" sz="2400" dirty="0" smtClean="0"/>
-              <a:t>.</a:t>
-            </a:r>
-            <a:r>
-              <a:rPr lang="en-US" sz="2400" dirty="0" smtClean="0"/>
-              <a:t> </a:t>
+              <a:t>. </a:t>
             </a:r>
             <a:endParaRPr lang="en-US" sz="2400" dirty="0"/>
           </a:p>
@@ -5050,15 +5046,7 @@
           <a:p>
             <a:r>
               <a:rPr lang="en-US" sz="1600" dirty="0" smtClean="0"/>
-              <a:t>Stock Price </a:t>
-            </a:r>
-            <a:r>
-              <a:rPr lang="en-US" sz="1600" dirty="0" smtClean="0"/>
-              <a:t>Opened </a:t>
-            </a:r>
-            <a:r>
-              <a:rPr lang="en-US" sz="1600" dirty="0" smtClean="0"/>
-              <a:t>In Positive For Each Month</a:t>
+              <a:t>Stock Price Opened In Positive For Each Month</a:t>
             </a:r>
             <a:endParaRPr lang="en-US" sz="1600" dirty="0"/>
           </a:p>
@@ -5205,7 +5193,6 @@
               <a:rPr lang="en-US" sz="1600" dirty="0"/>
               <a:t>monthly return for the NASDAQ100</a:t>
             </a:r>
-            <a:endParaRPr lang="en-US" sz="1600" dirty="0"/>
           </a:p>
         </p:txBody>
       </p:sp>
